--- a/notes/csc493-ln018.pptx
+++ b/notes/csc493-ln018.pptx
@@ -5,10 +5,10 @@
     <p:sldMasterId id="2147483651" r:id="rId1"/>
   </p:sldMasterIdLst>
   <p:notesMasterIdLst>
-    <p:notesMasterId r:id="rId11"/>
+    <p:notesMasterId r:id="rId12"/>
   </p:notesMasterIdLst>
   <p:handoutMasterIdLst>
-    <p:handoutMasterId r:id="rId12"/>
+    <p:handoutMasterId r:id="rId13"/>
   </p:handoutMasterIdLst>
   <p:sldIdLst>
     <p:sldId id="268" r:id="rId2"/>
@@ -19,7 +19,8 @@
     <p:sldId id="273" r:id="rId7"/>
     <p:sldId id="274" r:id="rId8"/>
     <p:sldId id="275" r:id="rId9"/>
-    <p:sldId id="276" r:id="rId10"/>
+    <p:sldId id="277" r:id="rId10"/>
+    <p:sldId id="276" r:id="rId11"/>
   </p:sldIdLst>
   <p:sldSz cx="9144000" cy="6858000" type="screen4x3"/>
   <p:notesSz cx="6856413" cy="9083675"/>
@@ -5237,1174 +5238,7 @@
 </p:sld>
 </file>
 
-<file path=ppt/slides/slide2.xml><?xml version="1.0" encoding="utf-8"?>
-<p:sld xmlns:a="http://schemas.openxmlformats.org/drawingml/2006/main" xmlns:r="http://schemas.openxmlformats.org/officeDocument/2006/relationships" xmlns:p="http://schemas.openxmlformats.org/presentationml/2006/main">
-  <p:cSld>
-    <p:spTree>
-      <p:nvGrpSpPr>
-        <p:cNvPr id="1" name=""/>
-        <p:cNvGrpSpPr/>
-        <p:nvPr/>
-      </p:nvGrpSpPr>
-      <p:grpSpPr>
-        <a:xfrm>
-          <a:off x="0" y="0"/>
-          <a:ext cx="0" cy="0"/>
-          <a:chOff x="0" y="0"/>
-          <a:chExt cx="0" cy="0"/>
-        </a:xfrm>
-      </p:grpSpPr>
-      <p:sp>
-        <p:nvSpPr>
-          <p:cNvPr id="2" name="Title 1">
-            <a:extLst>
-              <a:ext uri="{FF2B5EF4-FFF2-40B4-BE49-F238E27FC236}">
-                <a16:creationId xmlns:a16="http://schemas.microsoft.com/office/drawing/2014/main" id="{407C506D-5D62-A54E-8608-347B9B026150}"/>
-              </a:ext>
-            </a:extLst>
-          </p:cNvPr>
-          <p:cNvSpPr>
-            <a:spLocks noGrp="1"/>
-          </p:cNvSpPr>
-          <p:nvPr>
-            <p:ph type="title"/>
-          </p:nvPr>
-        </p:nvSpPr>
-        <p:spPr/>
-        <p:txBody>
-          <a:bodyPr/>
-          <a:lstStyle/>
-          <a:p>
-            <a:r>
-              <a:rPr lang="en-US" dirty="0"/>
-              <a:t>Semester Review</a:t>
-            </a:r>
-          </a:p>
-        </p:txBody>
-      </p:sp>
-      <p:sp>
-        <p:nvSpPr>
-          <p:cNvPr id="3" name="Content Placeholder 2">
-            <a:extLst>
-              <a:ext uri="{FF2B5EF4-FFF2-40B4-BE49-F238E27FC236}">
-                <a16:creationId xmlns:a16="http://schemas.microsoft.com/office/drawing/2014/main" id="{9C74E324-505D-FA4D-A16E-8C31447842BD}"/>
-              </a:ext>
-            </a:extLst>
-          </p:cNvPr>
-          <p:cNvSpPr>
-            <a:spLocks noGrp="1"/>
-          </p:cNvSpPr>
-          <p:nvPr>
-            <p:ph idx="1"/>
-          </p:nvPr>
-        </p:nvSpPr>
-        <p:spPr/>
-        <p:txBody>
-          <a:bodyPr>
-            <a:normAutofit fontScale="85000" lnSpcReduction="10000"/>
-          </a:bodyPr>
-          <a:lstStyle/>
-          <a:p>
-            <a:r>
-              <a:rPr lang="en-US" dirty="0"/>
-              <a:t>Type Systems</a:t>
-            </a:r>
-          </a:p>
-          <a:p>
-            <a:pPr lvl="1"/>
-            <a:r>
-              <a:rPr lang="en-US" i="1" dirty="0"/>
-              <a:t>“A type is a set of values”</a:t>
-            </a:r>
-          </a:p>
-          <a:p>
-            <a:pPr lvl="1"/>
-            <a:r>
-              <a:rPr lang="en-US" dirty="0"/>
-              <a:t>Help identify programming errors</a:t>
-            </a:r>
-          </a:p>
-          <a:p>
-            <a:pPr lvl="2"/>
-            <a:r>
-              <a:rPr lang="en-US" dirty="0"/>
-              <a:t>A type mismatch usually indicates a programming error</a:t>
-            </a:r>
-          </a:p>
-          <a:p>
-            <a:pPr lvl="2"/>
-            <a:r>
-              <a:rPr lang="en-US" dirty="0"/>
-              <a:t>Type propagation</a:t>
-            </a:r>
-          </a:p>
-          <a:p>
-            <a:pPr lvl="1"/>
-            <a:r>
-              <a:rPr lang="en-US" dirty="0"/>
-              <a:t>Dynamic/static type systems</a:t>
-            </a:r>
-          </a:p>
-          <a:p>
-            <a:pPr lvl="1"/>
-            <a:r>
-              <a:rPr lang="en-US" dirty="0"/>
-              <a:t>Subtypes/Supertypes</a:t>
-            </a:r>
-          </a:p>
-          <a:p>
-            <a:pPr lvl="2"/>
-            <a:r>
-              <a:rPr lang="en-US" dirty="0"/>
-              <a:t>Type hierarchies</a:t>
-            </a:r>
-          </a:p>
-          <a:p>
-            <a:pPr lvl="2"/>
-            <a:r>
-              <a:rPr lang="en-US" dirty="0"/>
-              <a:t>Automatic type coercion (conversion, promotion)</a:t>
-            </a:r>
-          </a:p>
-          <a:p>
-            <a:pPr lvl="2"/>
-            <a:r>
-              <a:rPr lang="en-US" dirty="0"/>
-              <a:t>Widening/narrowing conversions</a:t>
-            </a:r>
-          </a:p>
-        </p:txBody>
-      </p:sp>
-      <p:pic>
-        <p:nvPicPr>
-          <p:cNvPr id="4" name="Picture 3">
-            <a:extLst>
-              <a:ext uri="{FF2B5EF4-FFF2-40B4-BE49-F238E27FC236}">
-                <a16:creationId xmlns:a16="http://schemas.microsoft.com/office/drawing/2014/main" id="{027B3D4B-3F93-1842-9C9A-5B58E39DF3E7}"/>
-              </a:ext>
-            </a:extLst>
-          </p:cNvPr>
-          <p:cNvPicPr>
-            <a:picLocks noChangeAspect="1"/>
-          </p:cNvPicPr>
-          <p:nvPr/>
-        </p:nvPicPr>
-        <p:blipFill>
-          <a:blip r:embed="rId2"/>
-          <a:stretch>
-            <a:fillRect/>
-          </a:stretch>
-        </p:blipFill>
-        <p:spPr>
-          <a:xfrm>
-            <a:off x="6629400" y="758560"/>
-            <a:ext cx="1447800" cy="1498071"/>
-          </a:xfrm>
-          <a:prstGeom prst="rect">
-            <a:avLst/>
-          </a:prstGeom>
-        </p:spPr>
-      </p:pic>
-    </p:spTree>
-    <p:extLst>
-      <p:ext uri="{BB962C8B-B14F-4D97-AF65-F5344CB8AC3E}">
-        <p14:creationId xmlns:p14="http://schemas.microsoft.com/office/powerpoint/2010/main" val="2479829754"/>
-      </p:ext>
-    </p:extLst>
-  </p:cSld>
-  <p:clrMapOvr>
-    <a:masterClrMapping/>
-  </p:clrMapOvr>
-</p:sld>
-</file>
-
-<file path=ppt/slides/slide3.xml><?xml version="1.0" encoding="utf-8"?>
-<p:sld xmlns:a="http://schemas.openxmlformats.org/drawingml/2006/main" xmlns:r="http://schemas.openxmlformats.org/officeDocument/2006/relationships" xmlns:p="http://schemas.openxmlformats.org/presentationml/2006/main">
-  <p:cSld>
-    <p:spTree>
-      <p:nvGrpSpPr>
-        <p:cNvPr id="1" name=""/>
-        <p:cNvGrpSpPr/>
-        <p:nvPr/>
-      </p:nvGrpSpPr>
-      <p:grpSpPr>
-        <a:xfrm>
-          <a:off x="0" y="0"/>
-          <a:ext cx="0" cy="0"/>
-          <a:chOff x="0" y="0"/>
-          <a:chExt cx="0" cy="0"/>
-        </a:xfrm>
-      </p:grpSpPr>
-      <p:sp>
-        <p:nvSpPr>
-          <p:cNvPr id="2" name="Title 1">
-            <a:extLst>
-              <a:ext uri="{FF2B5EF4-FFF2-40B4-BE49-F238E27FC236}">
-                <a16:creationId xmlns:a16="http://schemas.microsoft.com/office/drawing/2014/main" id="{0CE15690-7F57-A84B-B429-EC944DEDF59A}"/>
-              </a:ext>
-            </a:extLst>
-          </p:cNvPr>
-          <p:cNvSpPr>
-            <a:spLocks noGrp="1"/>
-          </p:cNvSpPr>
-          <p:nvPr>
-            <p:ph type="title"/>
-          </p:nvPr>
-        </p:nvSpPr>
-        <p:spPr/>
-        <p:txBody>
-          <a:bodyPr/>
-          <a:lstStyle/>
-          <a:p>
-            <a:r>
-              <a:rPr lang="en-US" dirty="0"/>
-              <a:t>Semester Review	</a:t>
-            </a:r>
-          </a:p>
-        </p:txBody>
-      </p:sp>
-      <p:sp>
-        <p:nvSpPr>
-          <p:cNvPr id="3" name="Content Placeholder 2">
-            <a:extLst>
-              <a:ext uri="{FF2B5EF4-FFF2-40B4-BE49-F238E27FC236}">
-                <a16:creationId xmlns:a16="http://schemas.microsoft.com/office/drawing/2014/main" id="{6F810D3A-D818-504E-B989-97D02CB57F46}"/>
-              </a:ext>
-            </a:extLst>
-          </p:cNvPr>
-          <p:cNvSpPr>
-            <a:spLocks noGrp="1"/>
-          </p:cNvSpPr>
-          <p:nvPr>
-            <p:ph idx="1"/>
-          </p:nvPr>
-        </p:nvSpPr>
-        <p:spPr/>
-        <p:txBody>
-          <a:bodyPr>
-            <a:normAutofit lnSpcReduction="10000"/>
-          </a:bodyPr>
-          <a:lstStyle/>
-          <a:p>
-            <a:r>
-              <a:rPr lang="en-US" dirty="0"/>
-              <a:t>Pattern matching</a:t>
-            </a:r>
-          </a:p>
-          <a:p>
-            <a:pPr lvl="1"/>
-            <a:r>
-              <a:rPr lang="en-US" dirty="0"/>
-              <a:t>Simple patterns are expressions that consist purely of constructors and variables</a:t>
-            </a:r>
-          </a:p>
-          <a:p>
-            <a:pPr lvl="1"/>
-            <a:r>
-              <a:rPr lang="en-US" dirty="0"/>
-              <a:t>Canonical representations!</a:t>
-            </a:r>
-          </a:p>
-          <a:p>
-            <a:pPr lvl="1"/>
-            <a:r>
-              <a:rPr lang="en-US" dirty="0" err="1"/>
-              <a:t>Destructuring</a:t>
-            </a:r>
-            <a:endParaRPr lang="en-US" dirty="0"/>
-          </a:p>
-          <a:p>
-            <a:pPr lvl="2"/>
-            <a:r>
-              <a:rPr lang="en-US" dirty="0"/>
-              <a:t>let (</a:t>
-            </a:r>
-            <a:r>
-              <a:rPr lang="en-US" dirty="0" err="1"/>
-              <a:t>x,y</a:t>
-            </a:r>
-            <a:r>
-              <a:rPr lang="en-US" dirty="0"/>
-              <a:t>) = (1,2)</a:t>
-            </a:r>
-          </a:p>
-          <a:p>
-            <a:pPr lvl="1"/>
-            <a:r>
-              <a:rPr lang="en-US" dirty="0"/>
-              <a:t>Powerful declarative way of accessing substructures of objects</a:t>
-            </a:r>
-          </a:p>
-          <a:p>
-            <a:endParaRPr lang="en-US" dirty="0"/>
-          </a:p>
-        </p:txBody>
-      </p:sp>
-    </p:spTree>
-    <p:extLst>
-      <p:ext uri="{BB962C8B-B14F-4D97-AF65-F5344CB8AC3E}">
-        <p14:creationId xmlns:p14="http://schemas.microsoft.com/office/powerpoint/2010/main" val="3610675344"/>
-      </p:ext>
-    </p:extLst>
-  </p:cSld>
-  <p:clrMapOvr>
-    <a:masterClrMapping/>
-  </p:clrMapOvr>
-</p:sld>
-</file>
-
-<file path=ppt/slides/slide4.xml><?xml version="1.0" encoding="utf-8"?>
-<p:sld xmlns:a="http://schemas.openxmlformats.org/drawingml/2006/main" xmlns:r="http://schemas.openxmlformats.org/officeDocument/2006/relationships" xmlns:p="http://schemas.openxmlformats.org/presentationml/2006/main">
-  <p:cSld>
-    <p:spTree>
-      <p:nvGrpSpPr>
-        <p:cNvPr id="1" name=""/>
-        <p:cNvGrpSpPr/>
-        <p:nvPr/>
-      </p:nvGrpSpPr>
-      <p:grpSpPr>
-        <a:xfrm>
-          <a:off x="0" y="0"/>
-          <a:ext cx="0" cy="0"/>
-          <a:chOff x="0" y="0"/>
-          <a:chExt cx="0" cy="0"/>
-        </a:xfrm>
-      </p:grpSpPr>
-      <p:sp>
-        <p:nvSpPr>
-          <p:cNvPr id="2" name="Title 1">
-            <a:extLst>
-              <a:ext uri="{FF2B5EF4-FFF2-40B4-BE49-F238E27FC236}">
-                <a16:creationId xmlns:a16="http://schemas.microsoft.com/office/drawing/2014/main" id="{0CE15690-7F57-A84B-B429-EC944DEDF59A}"/>
-              </a:ext>
-            </a:extLst>
-          </p:cNvPr>
-          <p:cNvSpPr>
-            <a:spLocks noGrp="1"/>
-          </p:cNvSpPr>
-          <p:nvPr>
-            <p:ph type="title"/>
-          </p:nvPr>
-        </p:nvSpPr>
-        <p:spPr/>
-        <p:txBody>
-          <a:bodyPr/>
-          <a:lstStyle/>
-          <a:p>
-            <a:r>
-              <a:rPr lang="en-US" dirty="0"/>
-              <a:t>Semester Review	</a:t>
-            </a:r>
-          </a:p>
-        </p:txBody>
-      </p:sp>
-      <p:sp>
-        <p:nvSpPr>
-          <p:cNvPr id="3" name="Content Placeholder 2">
-            <a:extLst>
-              <a:ext uri="{FF2B5EF4-FFF2-40B4-BE49-F238E27FC236}">
-                <a16:creationId xmlns:a16="http://schemas.microsoft.com/office/drawing/2014/main" id="{6F810D3A-D818-504E-B989-97D02CB57F46}"/>
-              </a:ext>
-            </a:extLst>
-          </p:cNvPr>
-          <p:cNvSpPr>
-            <a:spLocks noGrp="1"/>
-          </p:cNvSpPr>
-          <p:nvPr>
-            <p:ph idx="1"/>
-          </p:nvPr>
-        </p:nvSpPr>
-        <p:spPr/>
-        <p:txBody>
-          <a:bodyPr>
-            <a:normAutofit fontScale="85000" lnSpcReduction="10000"/>
-          </a:bodyPr>
-          <a:lstStyle/>
-          <a:p>
-            <a:r>
-              <a:rPr lang="en-US" dirty="0"/>
-              <a:t>OOP</a:t>
-            </a:r>
-          </a:p>
-          <a:p>
-            <a:pPr lvl="1"/>
-            <a:r>
-              <a:rPr lang="en-US" dirty="0"/>
-              <a:t>“classic” vs “modern” OOP</a:t>
-            </a:r>
-          </a:p>
-          <a:p>
-            <a:pPr lvl="1"/>
-            <a:r>
-              <a:rPr lang="en-US" dirty="0"/>
-              <a:t>Modern OOP</a:t>
-            </a:r>
-          </a:p>
-          <a:p>
-            <a:pPr lvl="2"/>
-            <a:r>
-              <a:rPr lang="en-US" dirty="0"/>
-              <a:t>No classes, instead structures with behavior</a:t>
-            </a:r>
-          </a:p>
-          <a:p>
-            <a:pPr lvl="2"/>
-            <a:r>
-              <a:rPr lang="en-US" dirty="0"/>
-              <a:t>No (class) inheritance – traits/interfaces instead or object composition</a:t>
-            </a:r>
-          </a:p>
-          <a:p>
-            <a:pPr lvl="2"/>
-            <a:r>
-              <a:rPr lang="en-US" dirty="0"/>
-              <a:t>Limited if any member protection – facilitates pattern matching on objects.</a:t>
-            </a:r>
-          </a:p>
-          <a:p>
-            <a:pPr lvl="1"/>
-            <a:r>
-              <a:rPr lang="en-US" dirty="0"/>
-              <a:t>Subtype polymorphism with dynamic dispatch for statically typed languages</a:t>
-            </a:r>
-          </a:p>
-          <a:p>
-            <a:pPr lvl="1"/>
-            <a:r>
-              <a:rPr lang="en-US" i="1" dirty="0"/>
-              <a:t>Duck typing</a:t>
-            </a:r>
-            <a:r>
-              <a:rPr lang="en-US" dirty="0"/>
-              <a:t> for dynamically typed languages</a:t>
-            </a:r>
-            <a:endParaRPr lang="en-US" i="1" dirty="0"/>
-          </a:p>
-        </p:txBody>
-      </p:sp>
-    </p:spTree>
-    <p:extLst>
-      <p:ext uri="{BB962C8B-B14F-4D97-AF65-F5344CB8AC3E}">
-        <p14:creationId xmlns:p14="http://schemas.microsoft.com/office/powerpoint/2010/main" val="2016854969"/>
-      </p:ext>
-    </p:extLst>
-  </p:cSld>
-  <p:clrMapOvr>
-    <a:masterClrMapping/>
-  </p:clrMapOvr>
-</p:sld>
-</file>
-
-<file path=ppt/slides/slide5.xml><?xml version="1.0" encoding="utf-8"?>
-<p:sld xmlns:a="http://schemas.openxmlformats.org/drawingml/2006/main" xmlns:r="http://schemas.openxmlformats.org/officeDocument/2006/relationships" xmlns:p="http://schemas.openxmlformats.org/presentationml/2006/main">
-  <p:cSld>
-    <p:spTree>
-      <p:nvGrpSpPr>
-        <p:cNvPr id="1" name=""/>
-        <p:cNvGrpSpPr/>
-        <p:nvPr/>
-      </p:nvGrpSpPr>
-      <p:grpSpPr>
-        <a:xfrm>
-          <a:off x="0" y="0"/>
-          <a:ext cx="0" cy="0"/>
-          <a:chOff x="0" y="0"/>
-          <a:chExt cx="0" cy="0"/>
-        </a:xfrm>
-      </p:grpSpPr>
-      <p:sp>
-        <p:nvSpPr>
-          <p:cNvPr id="2" name="Title 1">
-            <a:extLst>
-              <a:ext uri="{FF2B5EF4-FFF2-40B4-BE49-F238E27FC236}">
-                <a16:creationId xmlns:a16="http://schemas.microsoft.com/office/drawing/2014/main" id="{0CE15690-7F57-A84B-B429-EC944DEDF59A}"/>
-              </a:ext>
-            </a:extLst>
-          </p:cNvPr>
-          <p:cNvSpPr>
-            <a:spLocks noGrp="1"/>
-          </p:cNvSpPr>
-          <p:nvPr>
-            <p:ph type="title"/>
-          </p:nvPr>
-        </p:nvSpPr>
-        <p:spPr/>
-        <p:txBody>
-          <a:bodyPr/>
-          <a:lstStyle/>
-          <a:p>
-            <a:r>
-              <a:rPr lang="en-US" dirty="0"/>
-              <a:t>Semester Review	</a:t>
-            </a:r>
-          </a:p>
-        </p:txBody>
-      </p:sp>
-      <p:sp>
-        <p:nvSpPr>
-          <p:cNvPr id="3" name="Content Placeholder 2">
-            <a:extLst>
-              <a:ext uri="{FF2B5EF4-FFF2-40B4-BE49-F238E27FC236}">
-                <a16:creationId xmlns:a16="http://schemas.microsoft.com/office/drawing/2014/main" id="{6F810D3A-D818-504E-B989-97D02CB57F46}"/>
-              </a:ext>
-            </a:extLst>
-          </p:cNvPr>
-          <p:cNvSpPr>
-            <a:spLocks noGrp="1"/>
-          </p:cNvSpPr>
-          <p:nvPr>
-            <p:ph idx="1"/>
-          </p:nvPr>
-        </p:nvSpPr>
-        <p:spPr>
-          <a:xfrm>
-            <a:off x="609600" y="1905000"/>
-            <a:ext cx="7010400" cy="4114800"/>
-          </a:xfrm>
-        </p:spPr>
-        <p:txBody>
-          <a:bodyPr>
-            <a:normAutofit/>
-          </a:bodyPr>
-          <a:lstStyle/>
-          <a:p>
-            <a:r>
-              <a:rPr lang="en-US" dirty="0"/>
-              <a:t>Functional Programming</a:t>
-            </a:r>
-          </a:p>
-          <a:p>
-            <a:pPr lvl="1"/>
-            <a:r>
-              <a:rPr lang="en-US" dirty="0"/>
-              <a:t>Based on the lambda calculus</a:t>
-            </a:r>
-          </a:p>
-          <a:p>
-            <a:pPr lvl="1"/>
-            <a:r>
-              <a:rPr lang="en-US" i="1" dirty="0"/>
-              <a:t>“Everything is a value”</a:t>
-            </a:r>
-          </a:p>
-          <a:p>
-            <a:pPr lvl="1"/>
-            <a:r>
-              <a:rPr lang="en-US" dirty="0"/>
-              <a:t>No explicit state</a:t>
-            </a:r>
-          </a:p>
-          <a:p>
-            <a:pPr lvl="1"/>
-            <a:r>
-              <a:rPr lang="en-US" dirty="0"/>
-              <a:t>First-class functions</a:t>
-            </a:r>
-          </a:p>
-          <a:p>
-            <a:pPr lvl="1"/>
-            <a:r>
-              <a:rPr lang="en-US" dirty="0"/>
-              <a:t>Declarative: </a:t>
-            </a:r>
-          </a:p>
-          <a:p>
-            <a:pPr lvl="2"/>
-            <a:r>
-              <a:rPr lang="en-US" i="1" dirty="0"/>
-              <a:t>“The What rather than the How”</a:t>
-            </a:r>
-          </a:p>
-        </p:txBody>
-      </p:sp>
-      <p:pic>
-        <p:nvPicPr>
-          <p:cNvPr id="4" name="Picture 3">
-            <a:extLst>
-              <a:ext uri="{FF2B5EF4-FFF2-40B4-BE49-F238E27FC236}">
-                <a16:creationId xmlns:a16="http://schemas.microsoft.com/office/drawing/2014/main" id="{5B4637BF-20EA-564A-8939-F88E9A324DAC}"/>
-              </a:ext>
-            </a:extLst>
-          </p:cNvPr>
-          <p:cNvPicPr>
-            <a:picLocks noChangeAspect="1"/>
-          </p:cNvPicPr>
-          <p:nvPr/>
-        </p:nvPicPr>
-        <p:blipFill rotWithShape="1">
-          <a:blip r:embed="rId2"/>
-          <a:srcRect t="3099"/>
-          <a:stretch/>
-        </p:blipFill>
-        <p:spPr>
-          <a:xfrm>
-            <a:off x="6071725" y="304800"/>
-            <a:ext cx="2691275" cy="1225832"/>
-          </a:xfrm>
-          <a:prstGeom prst="rect">
-            <a:avLst/>
-          </a:prstGeom>
-        </p:spPr>
-      </p:pic>
-      <p:pic>
-        <p:nvPicPr>
-          <p:cNvPr id="5" name="Picture 4">
-            <a:extLst>
-              <a:ext uri="{FF2B5EF4-FFF2-40B4-BE49-F238E27FC236}">
-                <a16:creationId xmlns:a16="http://schemas.microsoft.com/office/drawing/2014/main" id="{4FF0CD0B-7FDA-4A40-A70E-69CCB498E777}"/>
-              </a:ext>
-            </a:extLst>
-          </p:cNvPr>
-          <p:cNvPicPr>
-            <a:picLocks noChangeAspect="1"/>
-          </p:cNvPicPr>
-          <p:nvPr/>
-        </p:nvPicPr>
-        <p:blipFill>
-          <a:blip r:embed="rId3"/>
-          <a:stretch>
-            <a:fillRect/>
-          </a:stretch>
-        </p:blipFill>
-        <p:spPr>
-          <a:xfrm>
-            <a:off x="228600" y="5823194"/>
-            <a:ext cx="4159250" cy="767862"/>
-          </a:xfrm>
-          <a:prstGeom prst="rect">
-            <a:avLst/>
-          </a:prstGeom>
-          <a:ln>
-            <a:solidFill>
-              <a:schemeClr val="tx1"/>
-            </a:solidFill>
-          </a:ln>
-        </p:spPr>
-      </p:pic>
-      <p:pic>
-        <p:nvPicPr>
-          <p:cNvPr id="6" name="Picture 5">
-            <a:extLst>
-              <a:ext uri="{FF2B5EF4-FFF2-40B4-BE49-F238E27FC236}">
-                <a16:creationId xmlns:a16="http://schemas.microsoft.com/office/drawing/2014/main" id="{1454DBD0-1545-7443-A4A4-2AE088F707F4}"/>
-              </a:ext>
-            </a:extLst>
-          </p:cNvPr>
-          <p:cNvPicPr>
-            <a:picLocks noChangeAspect="1"/>
-          </p:cNvPicPr>
-          <p:nvPr/>
-        </p:nvPicPr>
-        <p:blipFill>
-          <a:blip r:embed="rId4"/>
-          <a:stretch>
-            <a:fillRect/>
-          </a:stretch>
-        </p:blipFill>
-        <p:spPr>
-          <a:xfrm>
-            <a:off x="5943600" y="3581400"/>
-            <a:ext cx="2438400" cy="1227847"/>
-          </a:xfrm>
-          <a:prstGeom prst="rect">
-            <a:avLst/>
-          </a:prstGeom>
-          <a:ln>
-            <a:solidFill>
-              <a:schemeClr val="tx1"/>
-            </a:solidFill>
-          </a:ln>
-        </p:spPr>
-      </p:pic>
-    </p:spTree>
-    <p:extLst>
-      <p:ext uri="{BB962C8B-B14F-4D97-AF65-F5344CB8AC3E}">
-        <p14:creationId xmlns:p14="http://schemas.microsoft.com/office/powerpoint/2010/main" val="385906928"/>
-      </p:ext>
-    </p:extLst>
-  </p:cSld>
-  <p:clrMapOvr>
-    <a:masterClrMapping/>
-  </p:clrMapOvr>
-</p:sld>
-</file>
-
-<file path=ppt/slides/slide6.xml><?xml version="1.0" encoding="utf-8"?>
-<p:sld xmlns:a="http://schemas.openxmlformats.org/drawingml/2006/main" xmlns:r="http://schemas.openxmlformats.org/officeDocument/2006/relationships" xmlns:p="http://schemas.openxmlformats.org/presentationml/2006/main">
-  <p:cSld>
-    <p:spTree>
-      <p:nvGrpSpPr>
-        <p:cNvPr id="1" name=""/>
-        <p:cNvGrpSpPr/>
-        <p:nvPr/>
-      </p:nvGrpSpPr>
-      <p:grpSpPr>
-        <a:xfrm>
-          <a:off x="0" y="0"/>
-          <a:ext cx="0" cy="0"/>
-          <a:chOff x="0" y="0"/>
-          <a:chExt cx="0" cy="0"/>
-        </a:xfrm>
-      </p:grpSpPr>
-      <p:sp>
-        <p:nvSpPr>
-          <p:cNvPr id="2" name="Title 1">
-            <a:extLst>
-              <a:ext uri="{FF2B5EF4-FFF2-40B4-BE49-F238E27FC236}">
-                <a16:creationId xmlns:a16="http://schemas.microsoft.com/office/drawing/2014/main" id="{0CE15690-7F57-A84B-B429-EC944DEDF59A}"/>
-              </a:ext>
-            </a:extLst>
-          </p:cNvPr>
-          <p:cNvSpPr>
-            <a:spLocks noGrp="1"/>
-          </p:cNvSpPr>
-          <p:nvPr>
-            <p:ph type="title"/>
-          </p:nvPr>
-        </p:nvSpPr>
-        <p:spPr/>
-        <p:txBody>
-          <a:bodyPr/>
-          <a:lstStyle/>
-          <a:p>
-            <a:r>
-              <a:rPr lang="en-US" dirty="0"/>
-              <a:t>Semester Review	</a:t>
-            </a:r>
-          </a:p>
-        </p:txBody>
-      </p:sp>
-      <p:sp>
-        <p:nvSpPr>
-          <p:cNvPr id="3" name="Content Placeholder 2">
-            <a:extLst>
-              <a:ext uri="{FF2B5EF4-FFF2-40B4-BE49-F238E27FC236}">
-                <a16:creationId xmlns:a16="http://schemas.microsoft.com/office/drawing/2014/main" id="{6F810D3A-D818-504E-B989-97D02CB57F46}"/>
-              </a:ext>
-            </a:extLst>
-          </p:cNvPr>
-          <p:cNvSpPr>
-            <a:spLocks noGrp="1"/>
-          </p:cNvSpPr>
-          <p:nvPr>
-            <p:ph idx="1"/>
-          </p:nvPr>
-        </p:nvSpPr>
-        <p:spPr/>
-        <p:txBody>
-          <a:bodyPr>
-            <a:normAutofit fontScale="92500" lnSpcReduction="10000"/>
-          </a:bodyPr>
-          <a:lstStyle/>
-          <a:p>
-            <a:r>
-              <a:rPr lang="en-US" dirty="0"/>
-              <a:t>First-Class Patterns</a:t>
-            </a:r>
-          </a:p>
-          <a:p>
-            <a:pPr lvl="1"/>
-            <a:r>
-              <a:rPr lang="en-US" dirty="0"/>
-              <a:t>Patterns themselves are considered values</a:t>
-            </a:r>
-          </a:p>
-          <a:p>
-            <a:pPr lvl="2"/>
-            <a:r>
-              <a:rPr lang="en-US" dirty="0"/>
-              <a:t>Store in variables</a:t>
-            </a:r>
-          </a:p>
-          <a:p>
-            <a:pPr lvl="2"/>
-            <a:r>
-              <a:rPr lang="en-US" dirty="0"/>
-              <a:t>Pass to/from functions</a:t>
-            </a:r>
-          </a:p>
-          <a:p>
-            <a:pPr lvl="1"/>
-            <a:r>
-              <a:rPr lang="en-US" dirty="0"/>
-              <a:t>Promoting features to </a:t>
-            </a:r>
-            <a:r>
-              <a:rPr lang="en-US" i="1" dirty="0"/>
-              <a:t>first-class status increases expressiveness </a:t>
-            </a:r>
-            <a:r>
-              <a:rPr lang="en-US" dirty="0"/>
-              <a:t>of programming languages</a:t>
-            </a:r>
-          </a:p>
-          <a:p>
-            <a:pPr lvl="2"/>
-            <a:r>
-              <a:rPr lang="en-US" dirty="0"/>
-              <a:t>Shorter programs that make intentions of programmer clearer.</a:t>
-            </a:r>
-          </a:p>
-        </p:txBody>
-      </p:sp>
-      <p:pic>
-        <p:nvPicPr>
-          <p:cNvPr id="4" name="Picture 3">
-            <a:extLst>
-              <a:ext uri="{FF2B5EF4-FFF2-40B4-BE49-F238E27FC236}">
-                <a16:creationId xmlns:a16="http://schemas.microsoft.com/office/drawing/2014/main" id="{4B1559B0-56BF-084E-8ADB-C3C6D19D19ED}"/>
-              </a:ext>
-            </a:extLst>
-          </p:cNvPr>
-          <p:cNvPicPr>
-            <a:picLocks noChangeAspect="1"/>
-          </p:cNvPicPr>
-          <p:nvPr/>
-        </p:nvPicPr>
-        <p:blipFill>
-          <a:blip r:embed="rId2"/>
-          <a:stretch>
-            <a:fillRect/>
-          </a:stretch>
-        </p:blipFill>
-        <p:spPr>
-          <a:xfrm>
-            <a:off x="5410200" y="213388"/>
-            <a:ext cx="3359150" cy="1996412"/>
-          </a:xfrm>
-          <a:prstGeom prst="rect">
-            <a:avLst/>
-          </a:prstGeom>
-        </p:spPr>
-      </p:pic>
-    </p:spTree>
-    <p:extLst>
-      <p:ext uri="{BB962C8B-B14F-4D97-AF65-F5344CB8AC3E}">
-        <p14:creationId xmlns:p14="http://schemas.microsoft.com/office/powerpoint/2010/main" val="4264315641"/>
-      </p:ext>
-    </p:extLst>
-  </p:cSld>
-  <p:clrMapOvr>
-    <a:masterClrMapping/>
-  </p:clrMapOvr>
-</p:sld>
-</file>
-
-<file path=ppt/slides/slide7.xml><?xml version="1.0" encoding="utf-8"?>
-<p:sld xmlns:a="http://schemas.openxmlformats.org/drawingml/2006/main" xmlns:r="http://schemas.openxmlformats.org/officeDocument/2006/relationships" xmlns:p="http://schemas.openxmlformats.org/presentationml/2006/main">
-  <p:cSld>
-    <p:spTree>
-      <p:nvGrpSpPr>
-        <p:cNvPr id="1" name=""/>
-        <p:cNvGrpSpPr/>
-        <p:nvPr/>
-      </p:nvGrpSpPr>
-      <p:grpSpPr>
-        <a:xfrm>
-          <a:off x="0" y="0"/>
-          <a:ext cx="0" cy="0"/>
-          <a:chOff x="0" y="0"/>
-          <a:chExt cx="0" cy="0"/>
-        </a:xfrm>
-      </p:grpSpPr>
-      <p:sp>
-        <p:nvSpPr>
-          <p:cNvPr id="2" name="Title 1">
-            <a:extLst>
-              <a:ext uri="{FF2B5EF4-FFF2-40B4-BE49-F238E27FC236}">
-                <a16:creationId xmlns:a16="http://schemas.microsoft.com/office/drawing/2014/main" id="{0CE15690-7F57-A84B-B429-EC944DEDF59A}"/>
-              </a:ext>
-            </a:extLst>
-          </p:cNvPr>
-          <p:cNvSpPr>
-            <a:spLocks noGrp="1"/>
-          </p:cNvSpPr>
-          <p:nvPr>
-            <p:ph type="title"/>
-          </p:nvPr>
-        </p:nvSpPr>
-        <p:spPr/>
-        <p:txBody>
-          <a:bodyPr/>
-          <a:lstStyle/>
-          <a:p>
-            <a:r>
-              <a:rPr lang="en-US" dirty="0"/>
-              <a:t>Semester Review	</a:t>
-            </a:r>
-          </a:p>
-        </p:txBody>
-      </p:sp>
-      <p:sp>
-        <p:nvSpPr>
-          <p:cNvPr id="3" name="Content Placeholder 2">
-            <a:extLst>
-              <a:ext uri="{FF2B5EF4-FFF2-40B4-BE49-F238E27FC236}">
-                <a16:creationId xmlns:a16="http://schemas.microsoft.com/office/drawing/2014/main" id="{6F810D3A-D818-504E-B989-97D02CB57F46}"/>
-              </a:ext>
-            </a:extLst>
-          </p:cNvPr>
-          <p:cNvSpPr>
-            <a:spLocks noGrp="1"/>
-          </p:cNvSpPr>
-          <p:nvPr>
-            <p:ph idx="1"/>
-          </p:nvPr>
-        </p:nvSpPr>
-        <p:spPr/>
-        <p:txBody>
-          <a:bodyPr>
-            <a:normAutofit/>
-          </a:bodyPr>
-          <a:lstStyle/>
-          <a:p>
-            <a:r>
-              <a:rPr lang="en-US" dirty="0"/>
-              <a:t>Putting it all together</a:t>
-            </a:r>
-          </a:p>
-        </p:txBody>
-      </p:sp>
-      <p:pic>
-        <p:nvPicPr>
-          <p:cNvPr id="4" name="Picture 3">
-            <a:extLst>
-              <a:ext uri="{FF2B5EF4-FFF2-40B4-BE49-F238E27FC236}">
-                <a16:creationId xmlns:a16="http://schemas.microsoft.com/office/drawing/2014/main" id="{034AC3CF-7215-CD47-8395-3BB980FBC394}"/>
-              </a:ext>
-            </a:extLst>
-          </p:cNvPr>
-          <p:cNvPicPr>
-            <a:picLocks noChangeAspect="1"/>
-          </p:cNvPicPr>
-          <p:nvPr/>
-        </p:nvPicPr>
-        <p:blipFill>
-          <a:blip r:embed="rId2"/>
-          <a:stretch>
-            <a:fillRect/>
-          </a:stretch>
-        </p:blipFill>
-        <p:spPr>
-          <a:xfrm>
-            <a:off x="533400" y="2590800"/>
-            <a:ext cx="3810000" cy="3518243"/>
-          </a:xfrm>
-          <a:prstGeom prst="rect">
-            <a:avLst/>
-          </a:prstGeom>
-          <a:ln>
-            <a:solidFill>
-              <a:schemeClr val="tx1"/>
-            </a:solidFill>
-          </a:ln>
-        </p:spPr>
-      </p:pic>
-      <p:pic>
-        <p:nvPicPr>
-          <p:cNvPr id="5" name="Picture 4">
-            <a:extLst>
-              <a:ext uri="{FF2B5EF4-FFF2-40B4-BE49-F238E27FC236}">
-                <a16:creationId xmlns:a16="http://schemas.microsoft.com/office/drawing/2014/main" id="{CB888EA9-39F8-1F43-96D6-762D59614E39}"/>
-              </a:ext>
-            </a:extLst>
-          </p:cNvPr>
-          <p:cNvPicPr>
-            <a:picLocks noChangeAspect="1"/>
-          </p:cNvPicPr>
-          <p:nvPr/>
-        </p:nvPicPr>
-        <p:blipFill>
-          <a:blip r:embed="rId3"/>
-          <a:stretch>
-            <a:fillRect/>
-          </a:stretch>
-        </p:blipFill>
-        <p:spPr>
-          <a:xfrm>
-            <a:off x="4661631" y="2974803"/>
-            <a:ext cx="3733473" cy="3654597"/>
-          </a:xfrm>
-          <a:prstGeom prst="rect">
-            <a:avLst/>
-          </a:prstGeom>
-          <a:ln>
-            <a:solidFill>
-              <a:schemeClr val="tx1"/>
-            </a:solidFill>
-          </a:ln>
-        </p:spPr>
-      </p:pic>
-    </p:spTree>
-    <p:extLst>
-      <p:ext uri="{BB962C8B-B14F-4D97-AF65-F5344CB8AC3E}">
-        <p14:creationId xmlns:p14="http://schemas.microsoft.com/office/powerpoint/2010/main" val="1448317797"/>
-      </p:ext>
-    </p:extLst>
-  </p:cSld>
-  <p:clrMapOvr>
-    <a:masterClrMapping/>
-  </p:clrMapOvr>
-</p:sld>
-</file>
-
-<file path=ppt/slides/slide8.xml><?xml version="1.0" encoding="utf-8"?>
-<p:sld xmlns:a="http://schemas.openxmlformats.org/drawingml/2006/main" xmlns:r="http://schemas.openxmlformats.org/officeDocument/2006/relationships" xmlns:p="http://schemas.openxmlformats.org/presentationml/2006/main">
-  <p:cSld>
-    <p:spTree>
-      <p:nvGrpSpPr>
-        <p:cNvPr id="1" name=""/>
-        <p:cNvGrpSpPr/>
-        <p:nvPr/>
-      </p:nvGrpSpPr>
-      <p:grpSpPr>
-        <a:xfrm>
-          <a:off x="0" y="0"/>
-          <a:ext cx="0" cy="0"/>
-          <a:chOff x="0" y="0"/>
-          <a:chExt cx="0" cy="0"/>
-        </a:xfrm>
-      </p:grpSpPr>
-      <p:sp>
-        <p:nvSpPr>
-          <p:cNvPr id="2" name="Title 1">
-            <a:extLst>
-              <a:ext uri="{FF2B5EF4-FFF2-40B4-BE49-F238E27FC236}">
-                <a16:creationId xmlns:a16="http://schemas.microsoft.com/office/drawing/2014/main" id="{0CE15690-7F57-A84B-B429-EC944DEDF59A}"/>
-              </a:ext>
-            </a:extLst>
-          </p:cNvPr>
-          <p:cNvSpPr>
-            <a:spLocks noGrp="1"/>
-          </p:cNvSpPr>
-          <p:nvPr>
-            <p:ph type="title"/>
-          </p:nvPr>
-        </p:nvSpPr>
-        <p:spPr/>
-        <p:txBody>
-          <a:bodyPr/>
-          <a:lstStyle/>
-          <a:p>
-            <a:r>
-              <a:rPr lang="en-US" dirty="0"/>
-              <a:t>Semester Review	</a:t>
-            </a:r>
-          </a:p>
-        </p:txBody>
-      </p:sp>
-      <p:sp>
-        <p:nvSpPr>
-          <p:cNvPr id="3" name="Content Placeholder 2">
-            <a:extLst>
-              <a:ext uri="{FF2B5EF4-FFF2-40B4-BE49-F238E27FC236}">
-                <a16:creationId xmlns:a16="http://schemas.microsoft.com/office/drawing/2014/main" id="{6F810D3A-D818-504E-B989-97D02CB57F46}"/>
-              </a:ext>
-            </a:extLst>
-          </p:cNvPr>
-          <p:cNvSpPr>
-            <a:spLocks noGrp="1"/>
-          </p:cNvSpPr>
-          <p:nvPr>
-            <p:ph idx="1"/>
-          </p:nvPr>
-        </p:nvSpPr>
-        <p:spPr/>
-        <p:txBody>
-          <a:bodyPr>
-            <a:normAutofit/>
-          </a:bodyPr>
-          <a:lstStyle/>
-          <a:p>
-            <a:r>
-              <a:rPr lang="en-US" dirty="0"/>
-              <a:t>Putting it all together</a:t>
-            </a:r>
-          </a:p>
-        </p:txBody>
-      </p:sp>
-      <p:pic>
-        <p:nvPicPr>
-          <p:cNvPr id="6" name="Picture 5">
-            <a:extLst>
-              <a:ext uri="{FF2B5EF4-FFF2-40B4-BE49-F238E27FC236}">
-                <a16:creationId xmlns:a16="http://schemas.microsoft.com/office/drawing/2014/main" id="{8A51FDA1-00B1-7542-B02E-90B9DDF6C3DA}"/>
-              </a:ext>
-            </a:extLst>
-          </p:cNvPr>
-          <p:cNvPicPr>
-            <a:picLocks noChangeAspect="1"/>
-          </p:cNvPicPr>
-          <p:nvPr/>
-        </p:nvPicPr>
-        <p:blipFill rotWithShape="1">
-          <a:blip r:embed="rId2"/>
-          <a:srcRect b="30540"/>
-          <a:stretch/>
-        </p:blipFill>
-        <p:spPr>
-          <a:xfrm>
-            <a:off x="401515" y="2613025"/>
-            <a:ext cx="4526484" cy="1631950"/>
-          </a:xfrm>
-          <a:prstGeom prst="rect">
-            <a:avLst/>
-          </a:prstGeom>
-          <a:ln>
-            <a:solidFill>
-              <a:schemeClr val="tx2"/>
-            </a:solidFill>
-          </a:ln>
-        </p:spPr>
-      </p:pic>
-      <p:pic>
-        <p:nvPicPr>
-          <p:cNvPr id="7" name="Picture 6">
-            <a:extLst>
-              <a:ext uri="{FF2B5EF4-FFF2-40B4-BE49-F238E27FC236}">
-                <a16:creationId xmlns:a16="http://schemas.microsoft.com/office/drawing/2014/main" id="{3BF09B19-FED0-794E-8F41-3F6D349CDB48}"/>
-              </a:ext>
-            </a:extLst>
-          </p:cNvPr>
-          <p:cNvPicPr>
-            <a:picLocks noChangeAspect="1"/>
-          </p:cNvPicPr>
-          <p:nvPr/>
-        </p:nvPicPr>
-        <p:blipFill rotWithShape="1">
-          <a:blip r:embed="rId3"/>
-          <a:srcRect b="25476"/>
-          <a:stretch/>
-        </p:blipFill>
-        <p:spPr>
-          <a:xfrm>
-            <a:off x="3713285" y="4495800"/>
-            <a:ext cx="4838700" cy="2063220"/>
-          </a:xfrm>
-          <a:prstGeom prst="rect">
-            <a:avLst/>
-          </a:prstGeom>
-          <a:ln>
-            <a:solidFill>
-              <a:schemeClr val="tx2"/>
-            </a:solidFill>
-          </a:ln>
-        </p:spPr>
-      </p:pic>
-    </p:spTree>
-    <p:extLst>
-      <p:ext uri="{BB962C8B-B14F-4D97-AF65-F5344CB8AC3E}">
-        <p14:creationId xmlns:p14="http://schemas.microsoft.com/office/powerpoint/2010/main" val="418834349"/>
-      </p:ext>
-    </p:extLst>
-  </p:cSld>
-  <p:clrMapOvr>
-    <a:masterClrMapping/>
-  </p:clrMapOvr>
-</p:sld>
-</file>
-
-<file path=ppt/slides/slide9.xml><?xml version="1.0" encoding="utf-8"?>
+<file path=ppt/slides/slide10.xml><?xml version="1.0" encoding="utf-8"?>
 <p:sld xmlns:a="http://schemas.openxmlformats.org/drawingml/2006/main" xmlns:r="http://schemas.openxmlformats.org/officeDocument/2006/relationships" xmlns:p="http://schemas.openxmlformats.org/presentationml/2006/main">
   <p:cSld>
     <p:spTree>
@@ -6580,6 +5414,1321 @@
     <p:extLst>
       <p:ext uri="{BB962C8B-B14F-4D97-AF65-F5344CB8AC3E}">
         <p14:creationId xmlns:p14="http://schemas.microsoft.com/office/powerpoint/2010/main" val="114130911"/>
+      </p:ext>
+    </p:extLst>
+  </p:cSld>
+  <p:clrMapOvr>
+    <a:masterClrMapping/>
+  </p:clrMapOvr>
+</p:sld>
+</file>
+
+<file path=ppt/slides/slide2.xml><?xml version="1.0" encoding="utf-8"?>
+<p:sld xmlns:a="http://schemas.openxmlformats.org/drawingml/2006/main" xmlns:r="http://schemas.openxmlformats.org/officeDocument/2006/relationships" xmlns:p="http://schemas.openxmlformats.org/presentationml/2006/main">
+  <p:cSld>
+    <p:spTree>
+      <p:nvGrpSpPr>
+        <p:cNvPr id="1" name=""/>
+        <p:cNvGrpSpPr/>
+        <p:nvPr/>
+      </p:nvGrpSpPr>
+      <p:grpSpPr>
+        <a:xfrm>
+          <a:off x="0" y="0"/>
+          <a:ext cx="0" cy="0"/>
+          <a:chOff x="0" y="0"/>
+          <a:chExt cx="0" cy="0"/>
+        </a:xfrm>
+      </p:grpSpPr>
+      <p:sp>
+        <p:nvSpPr>
+          <p:cNvPr id="2" name="Title 1">
+            <a:extLst>
+              <a:ext uri="{FF2B5EF4-FFF2-40B4-BE49-F238E27FC236}">
+                <a16:creationId xmlns:a16="http://schemas.microsoft.com/office/drawing/2014/main" id="{407C506D-5D62-A54E-8608-347B9B026150}"/>
+              </a:ext>
+            </a:extLst>
+          </p:cNvPr>
+          <p:cNvSpPr>
+            <a:spLocks noGrp="1"/>
+          </p:cNvSpPr>
+          <p:nvPr>
+            <p:ph type="title"/>
+          </p:nvPr>
+        </p:nvSpPr>
+        <p:spPr/>
+        <p:txBody>
+          <a:bodyPr/>
+          <a:lstStyle/>
+          <a:p>
+            <a:r>
+              <a:rPr lang="en-US" dirty="0"/>
+              <a:t>Semester Review</a:t>
+            </a:r>
+          </a:p>
+        </p:txBody>
+      </p:sp>
+      <p:sp>
+        <p:nvSpPr>
+          <p:cNvPr id="3" name="Content Placeholder 2">
+            <a:extLst>
+              <a:ext uri="{FF2B5EF4-FFF2-40B4-BE49-F238E27FC236}">
+                <a16:creationId xmlns:a16="http://schemas.microsoft.com/office/drawing/2014/main" id="{9C74E324-505D-FA4D-A16E-8C31447842BD}"/>
+              </a:ext>
+            </a:extLst>
+          </p:cNvPr>
+          <p:cNvSpPr>
+            <a:spLocks noGrp="1"/>
+          </p:cNvSpPr>
+          <p:nvPr>
+            <p:ph idx="1"/>
+          </p:nvPr>
+        </p:nvSpPr>
+        <p:spPr/>
+        <p:txBody>
+          <a:bodyPr>
+            <a:normAutofit fontScale="85000" lnSpcReduction="10000"/>
+          </a:bodyPr>
+          <a:lstStyle/>
+          <a:p>
+            <a:r>
+              <a:rPr lang="en-US" dirty="0"/>
+              <a:t>Type Systems</a:t>
+            </a:r>
+          </a:p>
+          <a:p>
+            <a:pPr lvl="1"/>
+            <a:r>
+              <a:rPr lang="en-US" i="1" dirty="0"/>
+              <a:t>“A type is a set of values”</a:t>
+            </a:r>
+          </a:p>
+          <a:p>
+            <a:pPr lvl="1"/>
+            <a:r>
+              <a:rPr lang="en-US" dirty="0"/>
+              <a:t>Help identify programming errors</a:t>
+            </a:r>
+          </a:p>
+          <a:p>
+            <a:pPr lvl="2"/>
+            <a:r>
+              <a:rPr lang="en-US" dirty="0"/>
+              <a:t>A type mismatch usually indicates a programming error</a:t>
+            </a:r>
+          </a:p>
+          <a:p>
+            <a:pPr lvl="2"/>
+            <a:r>
+              <a:rPr lang="en-US" dirty="0"/>
+              <a:t>Type propagation</a:t>
+            </a:r>
+          </a:p>
+          <a:p>
+            <a:pPr lvl="1"/>
+            <a:r>
+              <a:rPr lang="en-US" dirty="0"/>
+              <a:t>Dynamic/static type systems</a:t>
+            </a:r>
+          </a:p>
+          <a:p>
+            <a:pPr lvl="1"/>
+            <a:r>
+              <a:rPr lang="en-US" dirty="0"/>
+              <a:t>Subtypes/Supertypes</a:t>
+            </a:r>
+          </a:p>
+          <a:p>
+            <a:pPr lvl="2"/>
+            <a:r>
+              <a:rPr lang="en-US" dirty="0"/>
+              <a:t>Type hierarchies</a:t>
+            </a:r>
+          </a:p>
+          <a:p>
+            <a:pPr lvl="2"/>
+            <a:r>
+              <a:rPr lang="en-US" dirty="0"/>
+              <a:t>Automatic type coercion (conversion, promotion)</a:t>
+            </a:r>
+          </a:p>
+          <a:p>
+            <a:pPr lvl="2"/>
+            <a:r>
+              <a:rPr lang="en-US" dirty="0"/>
+              <a:t>Widening/narrowing conversions</a:t>
+            </a:r>
+          </a:p>
+        </p:txBody>
+      </p:sp>
+      <p:pic>
+        <p:nvPicPr>
+          <p:cNvPr id="4" name="Picture 3">
+            <a:extLst>
+              <a:ext uri="{FF2B5EF4-FFF2-40B4-BE49-F238E27FC236}">
+                <a16:creationId xmlns:a16="http://schemas.microsoft.com/office/drawing/2014/main" id="{027B3D4B-3F93-1842-9C9A-5B58E39DF3E7}"/>
+              </a:ext>
+            </a:extLst>
+          </p:cNvPr>
+          <p:cNvPicPr>
+            <a:picLocks noChangeAspect="1"/>
+          </p:cNvPicPr>
+          <p:nvPr/>
+        </p:nvPicPr>
+        <p:blipFill>
+          <a:blip r:embed="rId2"/>
+          <a:stretch>
+            <a:fillRect/>
+          </a:stretch>
+        </p:blipFill>
+        <p:spPr>
+          <a:xfrm>
+            <a:off x="6629400" y="758560"/>
+            <a:ext cx="1447800" cy="1498071"/>
+          </a:xfrm>
+          <a:prstGeom prst="rect">
+            <a:avLst/>
+          </a:prstGeom>
+        </p:spPr>
+      </p:pic>
+    </p:spTree>
+    <p:extLst>
+      <p:ext uri="{BB962C8B-B14F-4D97-AF65-F5344CB8AC3E}">
+        <p14:creationId xmlns:p14="http://schemas.microsoft.com/office/powerpoint/2010/main" val="2479829754"/>
+      </p:ext>
+    </p:extLst>
+  </p:cSld>
+  <p:clrMapOvr>
+    <a:masterClrMapping/>
+  </p:clrMapOvr>
+</p:sld>
+</file>
+
+<file path=ppt/slides/slide3.xml><?xml version="1.0" encoding="utf-8"?>
+<p:sld xmlns:a="http://schemas.openxmlformats.org/drawingml/2006/main" xmlns:r="http://schemas.openxmlformats.org/officeDocument/2006/relationships" xmlns:p="http://schemas.openxmlformats.org/presentationml/2006/main">
+  <p:cSld>
+    <p:spTree>
+      <p:nvGrpSpPr>
+        <p:cNvPr id="1" name=""/>
+        <p:cNvGrpSpPr/>
+        <p:nvPr/>
+      </p:nvGrpSpPr>
+      <p:grpSpPr>
+        <a:xfrm>
+          <a:off x="0" y="0"/>
+          <a:ext cx="0" cy="0"/>
+          <a:chOff x="0" y="0"/>
+          <a:chExt cx="0" cy="0"/>
+        </a:xfrm>
+      </p:grpSpPr>
+      <p:sp>
+        <p:nvSpPr>
+          <p:cNvPr id="2" name="Title 1">
+            <a:extLst>
+              <a:ext uri="{FF2B5EF4-FFF2-40B4-BE49-F238E27FC236}">
+                <a16:creationId xmlns:a16="http://schemas.microsoft.com/office/drawing/2014/main" id="{0CE15690-7F57-A84B-B429-EC944DEDF59A}"/>
+              </a:ext>
+            </a:extLst>
+          </p:cNvPr>
+          <p:cNvSpPr>
+            <a:spLocks noGrp="1"/>
+          </p:cNvSpPr>
+          <p:nvPr>
+            <p:ph type="title"/>
+          </p:nvPr>
+        </p:nvSpPr>
+        <p:spPr/>
+        <p:txBody>
+          <a:bodyPr/>
+          <a:lstStyle/>
+          <a:p>
+            <a:r>
+              <a:rPr lang="en-US" dirty="0"/>
+              <a:t>Semester Review	</a:t>
+            </a:r>
+          </a:p>
+        </p:txBody>
+      </p:sp>
+      <p:sp>
+        <p:nvSpPr>
+          <p:cNvPr id="3" name="Content Placeholder 2">
+            <a:extLst>
+              <a:ext uri="{FF2B5EF4-FFF2-40B4-BE49-F238E27FC236}">
+                <a16:creationId xmlns:a16="http://schemas.microsoft.com/office/drawing/2014/main" id="{6F810D3A-D818-504E-B989-97D02CB57F46}"/>
+              </a:ext>
+            </a:extLst>
+          </p:cNvPr>
+          <p:cNvSpPr>
+            <a:spLocks noGrp="1"/>
+          </p:cNvSpPr>
+          <p:nvPr>
+            <p:ph idx="1"/>
+          </p:nvPr>
+        </p:nvSpPr>
+        <p:spPr/>
+        <p:txBody>
+          <a:bodyPr>
+            <a:normAutofit lnSpcReduction="10000"/>
+          </a:bodyPr>
+          <a:lstStyle/>
+          <a:p>
+            <a:r>
+              <a:rPr lang="en-US" dirty="0"/>
+              <a:t>Pattern matching</a:t>
+            </a:r>
+          </a:p>
+          <a:p>
+            <a:pPr lvl="1"/>
+            <a:r>
+              <a:rPr lang="en-US" dirty="0"/>
+              <a:t>Simple patterns are expressions that consist purely of constructors and variables</a:t>
+            </a:r>
+          </a:p>
+          <a:p>
+            <a:pPr lvl="1"/>
+            <a:r>
+              <a:rPr lang="en-US" dirty="0"/>
+              <a:t>Canonical representations!</a:t>
+            </a:r>
+          </a:p>
+          <a:p>
+            <a:pPr lvl="1"/>
+            <a:r>
+              <a:rPr lang="en-US" dirty="0" err="1"/>
+              <a:t>Destructuring</a:t>
+            </a:r>
+            <a:endParaRPr lang="en-US" dirty="0"/>
+          </a:p>
+          <a:p>
+            <a:pPr lvl="2"/>
+            <a:r>
+              <a:rPr lang="en-US" dirty="0"/>
+              <a:t>let (</a:t>
+            </a:r>
+            <a:r>
+              <a:rPr lang="en-US" dirty="0" err="1"/>
+              <a:t>x,y</a:t>
+            </a:r>
+            <a:r>
+              <a:rPr lang="en-US" dirty="0"/>
+              <a:t>) = (1,2)</a:t>
+            </a:r>
+          </a:p>
+          <a:p>
+            <a:pPr lvl="1"/>
+            <a:r>
+              <a:rPr lang="en-US" dirty="0"/>
+              <a:t>Powerful declarative way of accessing substructures of objects</a:t>
+            </a:r>
+          </a:p>
+          <a:p>
+            <a:endParaRPr lang="en-US" dirty="0"/>
+          </a:p>
+        </p:txBody>
+      </p:sp>
+    </p:spTree>
+    <p:extLst>
+      <p:ext uri="{BB962C8B-B14F-4D97-AF65-F5344CB8AC3E}">
+        <p14:creationId xmlns:p14="http://schemas.microsoft.com/office/powerpoint/2010/main" val="3610675344"/>
+      </p:ext>
+    </p:extLst>
+  </p:cSld>
+  <p:clrMapOvr>
+    <a:masterClrMapping/>
+  </p:clrMapOvr>
+</p:sld>
+</file>
+
+<file path=ppt/slides/slide4.xml><?xml version="1.0" encoding="utf-8"?>
+<p:sld xmlns:a="http://schemas.openxmlformats.org/drawingml/2006/main" xmlns:r="http://schemas.openxmlformats.org/officeDocument/2006/relationships" xmlns:p="http://schemas.openxmlformats.org/presentationml/2006/main">
+  <p:cSld>
+    <p:spTree>
+      <p:nvGrpSpPr>
+        <p:cNvPr id="1" name=""/>
+        <p:cNvGrpSpPr/>
+        <p:nvPr/>
+      </p:nvGrpSpPr>
+      <p:grpSpPr>
+        <a:xfrm>
+          <a:off x="0" y="0"/>
+          <a:ext cx="0" cy="0"/>
+          <a:chOff x="0" y="0"/>
+          <a:chExt cx="0" cy="0"/>
+        </a:xfrm>
+      </p:grpSpPr>
+      <p:sp>
+        <p:nvSpPr>
+          <p:cNvPr id="2" name="Title 1">
+            <a:extLst>
+              <a:ext uri="{FF2B5EF4-FFF2-40B4-BE49-F238E27FC236}">
+                <a16:creationId xmlns:a16="http://schemas.microsoft.com/office/drawing/2014/main" id="{0CE15690-7F57-A84B-B429-EC944DEDF59A}"/>
+              </a:ext>
+            </a:extLst>
+          </p:cNvPr>
+          <p:cNvSpPr>
+            <a:spLocks noGrp="1"/>
+          </p:cNvSpPr>
+          <p:nvPr>
+            <p:ph type="title"/>
+          </p:nvPr>
+        </p:nvSpPr>
+        <p:spPr/>
+        <p:txBody>
+          <a:bodyPr/>
+          <a:lstStyle/>
+          <a:p>
+            <a:r>
+              <a:rPr lang="en-US" dirty="0"/>
+              <a:t>Semester Review	</a:t>
+            </a:r>
+          </a:p>
+        </p:txBody>
+      </p:sp>
+      <p:sp>
+        <p:nvSpPr>
+          <p:cNvPr id="3" name="Content Placeholder 2">
+            <a:extLst>
+              <a:ext uri="{FF2B5EF4-FFF2-40B4-BE49-F238E27FC236}">
+                <a16:creationId xmlns:a16="http://schemas.microsoft.com/office/drawing/2014/main" id="{6F810D3A-D818-504E-B989-97D02CB57F46}"/>
+              </a:ext>
+            </a:extLst>
+          </p:cNvPr>
+          <p:cNvSpPr>
+            <a:spLocks noGrp="1"/>
+          </p:cNvSpPr>
+          <p:nvPr>
+            <p:ph idx="1"/>
+          </p:nvPr>
+        </p:nvSpPr>
+        <p:spPr/>
+        <p:txBody>
+          <a:bodyPr>
+            <a:normAutofit fontScale="85000" lnSpcReduction="10000"/>
+          </a:bodyPr>
+          <a:lstStyle/>
+          <a:p>
+            <a:r>
+              <a:rPr lang="en-US" dirty="0"/>
+              <a:t>OOP</a:t>
+            </a:r>
+          </a:p>
+          <a:p>
+            <a:pPr lvl="1"/>
+            <a:r>
+              <a:rPr lang="en-US" dirty="0"/>
+              <a:t>“classic” vs “modern” OOP</a:t>
+            </a:r>
+          </a:p>
+          <a:p>
+            <a:pPr lvl="1"/>
+            <a:r>
+              <a:rPr lang="en-US" dirty="0"/>
+              <a:t>Modern OOP</a:t>
+            </a:r>
+          </a:p>
+          <a:p>
+            <a:pPr lvl="2"/>
+            <a:r>
+              <a:rPr lang="en-US" dirty="0"/>
+              <a:t>No classes, instead structures with behavior</a:t>
+            </a:r>
+          </a:p>
+          <a:p>
+            <a:pPr lvl="2"/>
+            <a:r>
+              <a:rPr lang="en-US" dirty="0"/>
+              <a:t>No (class) inheritance – traits/interfaces instead or object composition</a:t>
+            </a:r>
+          </a:p>
+          <a:p>
+            <a:pPr lvl="2"/>
+            <a:r>
+              <a:rPr lang="en-US" dirty="0"/>
+              <a:t>Limited if any member protection – facilitates pattern matching on objects.</a:t>
+            </a:r>
+          </a:p>
+          <a:p>
+            <a:pPr lvl="1"/>
+            <a:r>
+              <a:rPr lang="en-US" dirty="0"/>
+              <a:t>Subtype polymorphism with dynamic dispatch for statically typed languages</a:t>
+            </a:r>
+          </a:p>
+          <a:p>
+            <a:pPr lvl="1"/>
+            <a:r>
+              <a:rPr lang="en-US" i="1" dirty="0"/>
+              <a:t>Duck typing</a:t>
+            </a:r>
+            <a:r>
+              <a:rPr lang="en-US" dirty="0"/>
+              <a:t> for dynamically typed languages</a:t>
+            </a:r>
+            <a:endParaRPr lang="en-US" i="1" dirty="0"/>
+          </a:p>
+        </p:txBody>
+      </p:sp>
+    </p:spTree>
+    <p:extLst>
+      <p:ext uri="{BB962C8B-B14F-4D97-AF65-F5344CB8AC3E}">
+        <p14:creationId xmlns:p14="http://schemas.microsoft.com/office/powerpoint/2010/main" val="2016854969"/>
+      </p:ext>
+    </p:extLst>
+  </p:cSld>
+  <p:clrMapOvr>
+    <a:masterClrMapping/>
+  </p:clrMapOvr>
+</p:sld>
+</file>
+
+<file path=ppt/slides/slide5.xml><?xml version="1.0" encoding="utf-8"?>
+<p:sld xmlns:a="http://schemas.openxmlformats.org/drawingml/2006/main" xmlns:r="http://schemas.openxmlformats.org/officeDocument/2006/relationships" xmlns:p="http://schemas.openxmlformats.org/presentationml/2006/main">
+  <p:cSld>
+    <p:spTree>
+      <p:nvGrpSpPr>
+        <p:cNvPr id="1" name=""/>
+        <p:cNvGrpSpPr/>
+        <p:nvPr/>
+      </p:nvGrpSpPr>
+      <p:grpSpPr>
+        <a:xfrm>
+          <a:off x="0" y="0"/>
+          <a:ext cx="0" cy="0"/>
+          <a:chOff x="0" y="0"/>
+          <a:chExt cx="0" cy="0"/>
+        </a:xfrm>
+      </p:grpSpPr>
+      <p:sp>
+        <p:nvSpPr>
+          <p:cNvPr id="2" name="Title 1">
+            <a:extLst>
+              <a:ext uri="{FF2B5EF4-FFF2-40B4-BE49-F238E27FC236}">
+                <a16:creationId xmlns:a16="http://schemas.microsoft.com/office/drawing/2014/main" id="{0CE15690-7F57-A84B-B429-EC944DEDF59A}"/>
+              </a:ext>
+            </a:extLst>
+          </p:cNvPr>
+          <p:cNvSpPr>
+            <a:spLocks noGrp="1"/>
+          </p:cNvSpPr>
+          <p:nvPr>
+            <p:ph type="title"/>
+          </p:nvPr>
+        </p:nvSpPr>
+        <p:spPr/>
+        <p:txBody>
+          <a:bodyPr/>
+          <a:lstStyle/>
+          <a:p>
+            <a:r>
+              <a:rPr lang="en-US" dirty="0"/>
+              <a:t>Semester Review	</a:t>
+            </a:r>
+          </a:p>
+        </p:txBody>
+      </p:sp>
+      <p:sp>
+        <p:nvSpPr>
+          <p:cNvPr id="3" name="Content Placeholder 2">
+            <a:extLst>
+              <a:ext uri="{FF2B5EF4-FFF2-40B4-BE49-F238E27FC236}">
+                <a16:creationId xmlns:a16="http://schemas.microsoft.com/office/drawing/2014/main" id="{6F810D3A-D818-504E-B989-97D02CB57F46}"/>
+              </a:ext>
+            </a:extLst>
+          </p:cNvPr>
+          <p:cNvSpPr>
+            <a:spLocks noGrp="1"/>
+          </p:cNvSpPr>
+          <p:nvPr>
+            <p:ph idx="1"/>
+          </p:nvPr>
+        </p:nvSpPr>
+        <p:spPr>
+          <a:xfrm>
+            <a:off x="609600" y="1905000"/>
+            <a:ext cx="7010400" cy="4114800"/>
+          </a:xfrm>
+        </p:spPr>
+        <p:txBody>
+          <a:bodyPr>
+            <a:normAutofit/>
+          </a:bodyPr>
+          <a:lstStyle/>
+          <a:p>
+            <a:r>
+              <a:rPr lang="en-US" dirty="0"/>
+              <a:t>Functional Programming</a:t>
+            </a:r>
+          </a:p>
+          <a:p>
+            <a:pPr lvl="1"/>
+            <a:r>
+              <a:rPr lang="en-US" dirty="0"/>
+              <a:t>Based on the lambda calculus</a:t>
+            </a:r>
+          </a:p>
+          <a:p>
+            <a:pPr lvl="1"/>
+            <a:r>
+              <a:rPr lang="en-US" i="1" dirty="0"/>
+              <a:t>“Everything is a value”</a:t>
+            </a:r>
+          </a:p>
+          <a:p>
+            <a:pPr lvl="1"/>
+            <a:r>
+              <a:rPr lang="en-US" dirty="0"/>
+              <a:t>No explicit state</a:t>
+            </a:r>
+          </a:p>
+          <a:p>
+            <a:pPr lvl="1"/>
+            <a:r>
+              <a:rPr lang="en-US" dirty="0"/>
+              <a:t>First-class functions</a:t>
+            </a:r>
+          </a:p>
+          <a:p>
+            <a:pPr lvl="1"/>
+            <a:r>
+              <a:rPr lang="en-US" dirty="0"/>
+              <a:t>Declarative: </a:t>
+            </a:r>
+          </a:p>
+          <a:p>
+            <a:pPr lvl="2"/>
+            <a:r>
+              <a:rPr lang="en-US" i="1" dirty="0"/>
+              <a:t>“The What rather than the How”</a:t>
+            </a:r>
+          </a:p>
+        </p:txBody>
+      </p:sp>
+      <p:pic>
+        <p:nvPicPr>
+          <p:cNvPr id="4" name="Picture 3">
+            <a:extLst>
+              <a:ext uri="{FF2B5EF4-FFF2-40B4-BE49-F238E27FC236}">
+                <a16:creationId xmlns:a16="http://schemas.microsoft.com/office/drawing/2014/main" id="{5B4637BF-20EA-564A-8939-F88E9A324DAC}"/>
+              </a:ext>
+            </a:extLst>
+          </p:cNvPr>
+          <p:cNvPicPr>
+            <a:picLocks noChangeAspect="1"/>
+          </p:cNvPicPr>
+          <p:nvPr/>
+        </p:nvPicPr>
+        <p:blipFill rotWithShape="1">
+          <a:blip r:embed="rId2"/>
+          <a:srcRect t="3099"/>
+          <a:stretch/>
+        </p:blipFill>
+        <p:spPr>
+          <a:xfrm>
+            <a:off x="6071725" y="304800"/>
+            <a:ext cx="2691275" cy="1225832"/>
+          </a:xfrm>
+          <a:prstGeom prst="rect">
+            <a:avLst/>
+          </a:prstGeom>
+        </p:spPr>
+      </p:pic>
+      <p:pic>
+        <p:nvPicPr>
+          <p:cNvPr id="5" name="Picture 4">
+            <a:extLst>
+              <a:ext uri="{FF2B5EF4-FFF2-40B4-BE49-F238E27FC236}">
+                <a16:creationId xmlns:a16="http://schemas.microsoft.com/office/drawing/2014/main" id="{4FF0CD0B-7FDA-4A40-A70E-69CCB498E777}"/>
+              </a:ext>
+            </a:extLst>
+          </p:cNvPr>
+          <p:cNvPicPr>
+            <a:picLocks noChangeAspect="1"/>
+          </p:cNvPicPr>
+          <p:nvPr/>
+        </p:nvPicPr>
+        <p:blipFill>
+          <a:blip r:embed="rId3"/>
+          <a:stretch>
+            <a:fillRect/>
+          </a:stretch>
+        </p:blipFill>
+        <p:spPr>
+          <a:xfrm>
+            <a:off x="228600" y="5823194"/>
+            <a:ext cx="4159250" cy="767862"/>
+          </a:xfrm>
+          <a:prstGeom prst="rect">
+            <a:avLst/>
+          </a:prstGeom>
+          <a:ln>
+            <a:solidFill>
+              <a:schemeClr val="tx1"/>
+            </a:solidFill>
+          </a:ln>
+        </p:spPr>
+      </p:pic>
+      <p:pic>
+        <p:nvPicPr>
+          <p:cNvPr id="6" name="Picture 5">
+            <a:extLst>
+              <a:ext uri="{FF2B5EF4-FFF2-40B4-BE49-F238E27FC236}">
+                <a16:creationId xmlns:a16="http://schemas.microsoft.com/office/drawing/2014/main" id="{1454DBD0-1545-7443-A4A4-2AE088F707F4}"/>
+              </a:ext>
+            </a:extLst>
+          </p:cNvPr>
+          <p:cNvPicPr>
+            <a:picLocks noChangeAspect="1"/>
+          </p:cNvPicPr>
+          <p:nvPr/>
+        </p:nvPicPr>
+        <p:blipFill>
+          <a:blip r:embed="rId4"/>
+          <a:stretch>
+            <a:fillRect/>
+          </a:stretch>
+        </p:blipFill>
+        <p:spPr>
+          <a:xfrm>
+            <a:off x="5943600" y="3581400"/>
+            <a:ext cx="2438400" cy="1227847"/>
+          </a:xfrm>
+          <a:prstGeom prst="rect">
+            <a:avLst/>
+          </a:prstGeom>
+          <a:ln>
+            <a:solidFill>
+              <a:schemeClr val="tx1"/>
+            </a:solidFill>
+          </a:ln>
+        </p:spPr>
+      </p:pic>
+    </p:spTree>
+    <p:extLst>
+      <p:ext uri="{BB962C8B-B14F-4D97-AF65-F5344CB8AC3E}">
+        <p14:creationId xmlns:p14="http://schemas.microsoft.com/office/powerpoint/2010/main" val="385906928"/>
+      </p:ext>
+    </p:extLst>
+  </p:cSld>
+  <p:clrMapOvr>
+    <a:masterClrMapping/>
+  </p:clrMapOvr>
+</p:sld>
+</file>
+
+<file path=ppt/slides/slide6.xml><?xml version="1.0" encoding="utf-8"?>
+<p:sld xmlns:a="http://schemas.openxmlformats.org/drawingml/2006/main" xmlns:r="http://schemas.openxmlformats.org/officeDocument/2006/relationships" xmlns:p="http://schemas.openxmlformats.org/presentationml/2006/main">
+  <p:cSld>
+    <p:spTree>
+      <p:nvGrpSpPr>
+        <p:cNvPr id="1" name=""/>
+        <p:cNvGrpSpPr/>
+        <p:nvPr/>
+      </p:nvGrpSpPr>
+      <p:grpSpPr>
+        <a:xfrm>
+          <a:off x="0" y="0"/>
+          <a:ext cx="0" cy="0"/>
+          <a:chOff x="0" y="0"/>
+          <a:chExt cx="0" cy="0"/>
+        </a:xfrm>
+      </p:grpSpPr>
+      <p:sp>
+        <p:nvSpPr>
+          <p:cNvPr id="2" name="Title 1">
+            <a:extLst>
+              <a:ext uri="{FF2B5EF4-FFF2-40B4-BE49-F238E27FC236}">
+                <a16:creationId xmlns:a16="http://schemas.microsoft.com/office/drawing/2014/main" id="{0CE15690-7F57-A84B-B429-EC944DEDF59A}"/>
+              </a:ext>
+            </a:extLst>
+          </p:cNvPr>
+          <p:cNvSpPr>
+            <a:spLocks noGrp="1"/>
+          </p:cNvSpPr>
+          <p:nvPr>
+            <p:ph type="title"/>
+          </p:nvPr>
+        </p:nvSpPr>
+        <p:spPr/>
+        <p:txBody>
+          <a:bodyPr/>
+          <a:lstStyle/>
+          <a:p>
+            <a:r>
+              <a:rPr lang="en-US" dirty="0"/>
+              <a:t>Semester Review	</a:t>
+            </a:r>
+          </a:p>
+        </p:txBody>
+      </p:sp>
+      <p:sp>
+        <p:nvSpPr>
+          <p:cNvPr id="3" name="Content Placeholder 2">
+            <a:extLst>
+              <a:ext uri="{FF2B5EF4-FFF2-40B4-BE49-F238E27FC236}">
+                <a16:creationId xmlns:a16="http://schemas.microsoft.com/office/drawing/2014/main" id="{6F810D3A-D818-504E-B989-97D02CB57F46}"/>
+              </a:ext>
+            </a:extLst>
+          </p:cNvPr>
+          <p:cNvSpPr>
+            <a:spLocks noGrp="1"/>
+          </p:cNvSpPr>
+          <p:nvPr>
+            <p:ph idx="1"/>
+          </p:nvPr>
+        </p:nvSpPr>
+        <p:spPr/>
+        <p:txBody>
+          <a:bodyPr>
+            <a:normAutofit fontScale="92500" lnSpcReduction="10000"/>
+          </a:bodyPr>
+          <a:lstStyle/>
+          <a:p>
+            <a:r>
+              <a:rPr lang="en-US" dirty="0"/>
+              <a:t>First-Class Patterns</a:t>
+            </a:r>
+          </a:p>
+          <a:p>
+            <a:pPr lvl="1"/>
+            <a:r>
+              <a:rPr lang="en-US" dirty="0"/>
+              <a:t>Patterns themselves are considered values</a:t>
+            </a:r>
+          </a:p>
+          <a:p>
+            <a:pPr lvl="2"/>
+            <a:r>
+              <a:rPr lang="en-US" dirty="0"/>
+              <a:t>Store in variables</a:t>
+            </a:r>
+          </a:p>
+          <a:p>
+            <a:pPr lvl="2"/>
+            <a:r>
+              <a:rPr lang="en-US" dirty="0"/>
+              <a:t>Pass to/from functions</a:t>
+            </a:r>
+          </a:p>
+          <a:p>
+            <a:pPr lvl="1"/>
+            <a:r>
+              <a:rPr lang="en-US" dirty="0"/>
+              <a:t>Promoting features to </a:t>
+            </a:r>
+            <a:r>
+              <a:rPr lang="en-US" i="1" dirty="0"/>
+              <a:t>first-class status increases expressiveness </a:t>
+            </a:r>
+            <a:r>
+              <a:rPr lang="en-US" dirty="0"/>
+              <a:t>of programming languages</a:t>
+            </a:r>
+          </a:p>
+          <a:p>
+            <a:pPr lvl="2"/>
+            <a:r>
+              <a:rPr lang="en-US" dirty="0"/>
+              <a:t>Shorter programs that make intentions of programmer clearer.</a:t>
+            </a:r>
+          </a:p>
+        </p:txBody>
+      </p:sp>
+      <p:pic>
+        <p:nvPicPr>
+          <p:cNvPr id="4" name="Picture 3">
+            <a:extLst>
+              <a:ext uri="{FF2B5EF4-FFF2-40B4-BE49-F238E27FC236}">
+                <a16:creationId xmlns:a16="http://schemas.microsoft.com/office/drawing/2014/main" id="{4B1559B0-56BF-084E-8ADB-C3C6D19D19ED}"/>
+              </a:ext>
+            </a:extLst>
+          </p:cNvPr>
+          <p:cNvPicPr>
+            <a:picLocks noChangeAspect="1"/>
+          </p:cNvPicPr>
+          <p:nvPr/>
+        </p:nvPicPr>
+        <p:blipFill>
+          <a:blip r:embed="rId2"/>
+          <a:stretch>
+            <a:fillRect/>
+          </a:stretch>
+        </p:blipFill>
+        <p:spPr>
+          <a:xfrm>
+            <a:off x="5410200" y="213388"/>
+            <a:ext cx="3359150" cy="1996412"/>
+          </a:xfrm>
+          <a:prstGeom prst="rect">
+            <a:avLst/>
+          </a:prstGeom>
+        </p:spPr>
+      </p:pic>
+    </p:spTree>
+    <p:extLst>
+      <p:ext uri="{BB962C8B-B14F-4D97-AF65-F5344CB8AC3E}">
+        <p14:creationId xmlns:p14="http://schemas.microsoft.com/office/powerpoint/2010/main" val="4264315641"/>
+      </p:ext>
+    </p:extLst>
+  </p:cSld>
+  <p:clrMapOvr>
+    <a:masterClrMapping/>
+  </p:clrMapOvr>
+</p:sld>
+</file>
+
+<file path=ppt/slides/slide7.xml><?xml version="1.0" encoding="utf-8"?>
+<p:sld xmlns:a="http://schemas.openxmlformats.org/drawingml/2006/main" xmlns:r="http://schemas.openxmlformats.org/officeDocument/2006/relationships" xmlns:p="http://schemas.openxmlformats.org/presentationml/2006/main">
+  <p:cSld>
+    <p:spTree>
+      <p:nvGrpSpPr>
+        <p:cNvPr id="1" name=""/>
+        <p:cNvGrpSpPr/>
+        <p:nvPr/>
+      </p:nvGrpSpPr>
+      <p:grpSpPr>
+        <a:xfrm>
+          <a:off x="0" y="0"/>
+          <a:ext cx="0" cy="0"/>
+          <a:chOff x="0" y="0"/>
+          <a:chExt cx="0" cy="0"/>
+        </a:xfrm>
+      </p:grpSpPr>
+      <p:sp>
+        <p:nvSpPr>
+          <p:cNvPr id="2" name="Title 1">
+            <a:extLst>
+              <a:ext uri="{FF2B5EF4-FFF2-40B4-BE49-F238E27FC236}">
+                <a16:creationId xmlns:a16="http://schemas.microsoft.com/office/drawing/2014/main" id="{0CE15690-7F57-A84B-B429-EC944DEDF59A}"/>
+              </a:ext>
+            </a:extLst>
+          </p:cNvPr>
+          <p:cNvSpPr>
+            <a:spLocks noGrp="1"/>
+          </p:cNvSpPr>
+          <p:nvPr>
+            <p:ph type="title"/>
+          </p:nvPr>
+        </p:nvSpPr>
+        <p:spPr/>
+        <p:txBody>
+          <a:bodyPr/>
+          <a:lstStyle/>
+          <a:p>
+            <a:r>
+              <a:rPr lang="en-US" dirty="0"/>
+              <a:t>Semester Review	</a:t>
+            </a:r>
+          </a:p>
+        </p:txBody>
+      </p:sp>
+      <p:sp>
+        <p:nvSpPr>
+          <p:cNvPr id="3" name="Content Placeholder 2">
+            <a:extLst>
+              <a:ext uri="{FF2B5EF4-FFF2-40B4-BE49-F238E27FC236}">
+                <a16:creationId xmlns:a16="http://schemas.microsoft.com/office/drawing/2014/main" id="{6F810D3A-D818-504E-B989-97D02CB57F46}"/>
+              </a:ext>
+            </a:extLst>
+          </p:cNvPr>
+          <p:cNvSpPr>
+            <a:spLocks noGrp="1"/>
+          </p:cNvSpPr>
+          <p:nvPr>
+            <p:ph idx="1"/>
+          </p:nvPr>
+        </p:nvSpPr>
+        <p:spPr/>
+        <p:txBody>
+          <a:bodyPr>
+            <a:normAutofit/>
+          </a:bodyPr>
+          <a:lstStyle/>
+          <a:p>
+            <a:r>
+              <a:rPr lang="en-US" dirty="0"/>
+              <a:t>Putting it all together</a:t>
+            </a:r>
+          </a:p>
+        </p:txBody>
+      </p:sp>
+      <p:pic>
+        <p:nvPicPr>
+          <p:cNvPr id="4" name="Picture 3">
+            <a:extLst>
+              <a:ext uri="{FF2B5EF4-FFF2-40B4-BE49-F238E27FC236}">
+                <a16:creationId xmlns:a16="http://schemas.microsoft.com/office/drawing/2014/main" id="{034AC3CF-7215-CD47-8395-3BB980FBC394}"/>
+              </a:ext>
+            </a:extLst>
+          </p:cNvPr>
+          <p:cNvPicPr>
+            <a:picLocks noChangeAspect="1"/>
+          </p:cNvPicPr>
+          <p:nvPr/>
+        </p:nvPicPr>
+        <p:blipFill>
+          <a:blip r:embed="rId2"/>
+          <a:stretch>
+            <a:fillRect/>
+          </a:stretch>
+        </p:blipFill>
+        <p:spPr>
+          <a:xfrm>
+            <a:off x="533400" y="2590800"/>
+            <a:ext cx="3810000" cy="3518243"/>
+          </a:xfrm>
+          <a:prstGeom prst="rect">
+            <a:avLst/>
+          </a:prstGeom>
+          <a:ln>
+            <a:solidFill>
+              <a:schemeClr val="tx1"/>
+            </a:solidFill>
+          </a:ln>
+        </p:spPr>
+      </p:pic>
+      <p:pic>
+        <p:nvPicPr>
+          <p:cNvPr id="5" name="Picture 4">
+            <a:extLst>
+              <a:ext uri="{FF2B5EF4-FFF2-40B4-BE49-F238E27FC236}">
+                <a16:creationId xmlns:a16="http://schemas.microsoft.com/office/drawing/2014/main" id="{CB888EA9-39F8-1F43-96D6-762D59614E39}"/>
+              </a:ext>
+            </a:extLst>
+          </p:cNvPr>
+          <p:cNvPicPr>
+            <a:picLocks noChangeAspect="1"/>
+          </p:cNvPicPr>
+          <p:nvPr/>
+        </p:nvPicPr>
+        <p:blipFill>
+          <a:blip r:embed="rId3"/>
+          <a:stretch>
+            <a:fillRect/>
+          </a:stretch>
+        </p:blipFill>
+        <p:spPr>
+          <a:xfrm>
+            <a:off x="4661631" y="2974803"/>
+            <a:ext cx="3733473" cy="3654597"/>
+          </a:xfrm>
+          <a:prstGeom prst="rect">
+            <a:avLst/>
+          </a:prstGeom>
+          <a:ln>
+            <a:solidFill>
+              <a:schemeClr val="tx1"/>
+            </a:solidFill>
+          </a:ln>
+        </p:spPr>
+      </p:pic>
+    </p:spTree>
+    <p:extLst>
+      <p:ext uri="{BB962C8B-B14F-4D97-AF65-F5344CB8AC3E}">
+        <p14:creationId xmlns:p14="http://schemas.microsoft.com/office/powerpoint/2010/main" val="1448317797"/>
+      </p:ext>
+    </p:extLst>
+  </p:cSld>
+  <p:clrMapOvr>
+    <a:masterClrMapping/>
+  </p:clrMapOvr>
+</p:sld>
+</file>
+
+<file path=ppt/slides/slide8.xml><?xml version="1.0" encoding="utf-8"?>
+<p:sld xmlns:a="http://schemas.openxmlformats.org/drawingml/2006/main" xmlns:r="http://schemas.openxmlformats.org/officeDocument/2006/relationships" xmlns:p="http://schemas.openxmlformats.org/presentationml/2006/main">
+  <p:cSld>
+    <p:spTree>
+      <p:nvGrpSpPr>
+        <p:cNvPr id="1" name=""/>
+        <p:cNvGrpSpPr/>
+        <p:nvPr/>
+      </p:nvGrpSpPr>
+      <p:grpSpPr>
+        <a:xfrm>
+          <a:off x="0" y="0"/>
+          <a:ext cx="0" cy="0"/>
+          <a:chOff x="0" y="0"/>
+          <a:chExt cx="0" cy="0"/>
+        </a:xfrm>
+      </p:grpSpPr>
+      <p:sp>
+        <p:nvSpPr>
+          <p:cNvPr id="2" name="Title 1">
+            <a:extLst>
+              <a:ext uri="{FF2B5EF4-FFF2-40B4-BE49-F238E27FC236}">
+                <a16:creationId xmlns:a16="http://schemas.microsoft.com/office/drawing/2014/main" id="{0CE15690-7F57-A84B-B429-EC944DEDF59A}"/>
+              </a:ext>
+            </a:extLst>
+          </p:cNvPr>
+          <p:cNvSpPr>
+            <a:spLocks noGrp="1"/>
+          </p:cNvSpPr>
+          <p:nvPr>
+            <p:ph type="title"/>
+          </p:nvPr>
+        </p:nvSpPr>
+        <p:spPr/>
+        <p:txBody>
+          <a:bodyPr/>
+          <a:lstStyle/>
+          <a:p>
+            <a:r>
+              <a:rPr lang="en-US" dirty="0"/>
+              <a:t>Semester Review	</a:t>
+            </a:r>
+          </a:p>
+        </p:txBody>
+      </p:sp>
+      <p:sp>
+        <p:nvSpPr>
+          <p:cNvPr id="3" name="Content Placeholder 2">
+            <a:extLst>
+              <a:ext uri="{FF2B5EF4-FFF2-40B4-BE49-F238E27FC236}">
+                <a16:creationId xmlns:a16="http://schemas.microsoft.com/office/drawing/2014/main" id="{6F810D3A-D818-504E-B989-97D02CB57F46}"/>
+              </a:ext>
+            </a:extLst>
+          </p:cNvPr>
+          <p:cNvSpPr>
+            <a:spLocks noGrp="1"/>
+          </p:cNvSpPr>
+          <p:nvPr>
+            <p:ph idx="1"/>
+          </p:nvPr>
+        </p:nvSpPr>
+        <p:spPr/>
+        <p:txBody>
+          <a:bodyPr>
+            <a:normAutofit/>
+          </a:bodyPr>
+          <a:lstStyle/>
+          <a:p>
+            <a:r>
+              <a:rPr lang="en-US" dirty="0"/>
+              <a:t>Putting it all together – multi-paradigm</a:t>
+            </a:r>
+          </a:p>
+        </p:txBody>
+      </p:sp>
+      <p:pic>
+        <p:nvPicPr>
+          <p:cNvPr id="6" name="Picture 5">
+            <a:extLst>
+              <a:ext uri="{FF2B5EF4-FFF2-40B4-BE49-F238E27FC236}">
+                <a16:creationId xmlns:a16="http://schemas.microsoft.com/office/drawing/2014/main" id="{8A51FDA1-00B1-7542-B02E-90B9DDF6C3DA}"/>
+              </a:ext>
+            </a:extLst>
+          </p:cNvPr>
+          <p:cNvPicPr>
+            <a:picLocks noChangeAspect="1"/>
+          </p:cNvPicPr>
+          <p:nvPr/>
+        </p:nvPicPr>
+        <p:blipFill rotWithShape="1">
+          <a:blip r:embed="rId2"/>
+          <a:srcRect b="30540"/>
+          <a:stretch/>
+        </p:blipFill>
+        <p:spPr>
+          <a:xfrm>
+            <a:off x="401515" y="2613025"/>
+            <a:ext cx="4526484" cy="1631950"/>
+          </a:xfrm>
+          <a:prstGeom prst="rect">
+            <a:avLst/>
+          </a:prstGeom>
+          <a:ln>
+            <a:solidFill>
+              <a:schemeClr val="tx2"/>
+            </a:solidFill>
+          </a:ln>
+        </p:spPr>
+      </p:pic>
+      <p:pic>
+        <p:nvPicPr>
+          <p:cNvPr id="7" name="Picture 6">
+            <a:extLst>
+              <a:ext uri="{FF2B5EF4-FFF2-40B4-BE49-F238E27FC236}">
+                <a16:creationId xmlns:a16="http://schemas.microsoft.com/office/drawing/2014/main" id="{3BF09B19-FED0-794E-8F41-3F6D349CDB48}"/>
+              </a:ext>
+            </a:extLst>
+          </p:cNvPr>
+          <p:cNvPicPr>
+            <a:picLocks noChangeAspect="1"/>
+          </p:cNvPicPr>
+          <p:nvPr/>
+        </p:nvPicPr>
+        <p:blipFill rotWithShape="1">
+          <a:blip r:embed="rId3"/>
+          <a:srcRect b="25476"/>
+          <a:stretch/>
+        </p:blipFill>
+        <p:spPr>
+          <a:xfrm>
+            <a:off x="3713285" y="4495800"/>
+            <a:ext cx="4838700" cy="2063220"/>
+          </a:xfrm>
+          <a:prstGeom prst="rect">
+            <a:avLst/>
+          </a:prstGeom>
+          <a:ln>
+            <a:solidFill>
+              <a:schemeClr val="tx2"/>
+            </a:solidFill>
+          </a:ln>
+        </p:spPr>
+      </p:pic>
+    </p:spTree>
+    <p:extLst>
+      <p:ext uri="{BB962C8B-B14F-4D97-AF65-F5344CB8AC3E}">
+        <p14:creationId xmlns:p14="http://schemas.microsoft.com/office/powerpoint/2010/main" val="418834349"/>
+      </p:ext>
+    </p:extLst>
+  </p:cSld>
+  <p:clrMapOvr>
+    <a:masterClrMapping/>
+  </p:clrMapOvr>
+</p:sld>
+</file>
+
+<file path=ppt/slides/slide9.xml><?xml version="1.0" encoding="utf-8"?>
+<p:sld xmlns:a="http://schemas.openxmlformats.org/drawingml/2006/main" xmlns:r="http://schemas.openxmlformats.org/officeDocument/2006/relationships" xmlns:p="http://schemas.openxmlformats.org/presentationml/2006/main">
+  <p:cSld>
+    <p:spTree>
+      <p:nvGrpSpPr>
+        <p:cNvPr id="1" name=""/>
+        <p:cNvGrpSpPr/>
+        <p:nvPr/>
+      </p:nvGrpSpPr>
+      <p:grpSpPr>
+        <a:xfrm>
+          <a:off x="0" y="0"/>
+          <a:ext cx="0" cy="0"/>
+          <a:chOff x="0" y="0"/>
+          <a:chExt cx="0" cy="0"/>
+        </a:xfrm>
+      </p:grpSpPr>
+      <p:sp>
+        <p:nvSpPr>
+          <p:cNvPr id="2" name="Title 1">
+            <a:extLst>
+              <a:ext uri="{FF2B5EF4-FFF2-40B4-BE49-F238E27FC236}">
+                <a16:creationId xmlns:a16="http://schemas.microsoft.com/office/drawing/2014/main" id="{0CE15690-7F57-A84B-B429-EC944DEDF59A}"/>
+              </a:ext>
+            </a:extLst>
+          </p:cNvPr>
+          <p:cNvSpPr>
+            <a:spLocks noGrp="1"/>
+          </p:cNvSpPr>
+          <p:nvPr>
+            <p:ph type="title"/>
+          </p:nvPr>
+        </p:nvSpPr>
+        <p:spPr/>
+        <p:txBody>
+          <a:bodyPr/>
+          <a:lstStyle/>
+          <a:p>
+            <a:r>
+              <a:rPr lang="en-US" dirty="0"/>
+              <a:t>Semester Review	</a:t>
+            </a:r>
+          </a:p>
+        </p:txBody>
+      </p:sp>
+      <p:sp>
+        <p:nvSpPr>
+          <p:cNvPr id="3" name="Content Placeholder 2">
+            <a:extLst>
+              <a:ext uri="{FF2B5EF4-FFF2-40B4-BE49-F238E27FC236}">
+                <a16:creationId xmlns:a16="http://schemas.microsoft.com/office/drawing/2014/main" id="{6F810D3A-D818-504E-B989-97D02CB57F46}"/>
+              </a:ext>
+            </a:extLst>
+          </p:cNvPr>
+          <p:cNvSpPr>
+            <a:spLocks noGrp="1"/>
+          </p:cNvSpPr>
+          <p:nvPr>
+            <p:ph idx="1"/>
+          </p:nvPr>
+        </p:nvSpPr>
+        <p:spPr/>
+        <p:txBody>
+          <a:bodyPr>
+            <a:normAutofit/>
+          </a:bodyPr>
+          <a:lstStyle/>
+          <a:p>
+            <a:r>
+              <a:rPr lang="en-US" dirty="0"/>
+              <a:t>Putting it all together – higher-order</a:t>
+            </a:r>
+          </a:p>
+        </p:txBody>
+      </p:sp>
+      <p:pic>
+        <p:nvPicPr>
+          <p:cNvPr id="4" name="Picture 3">
+            <a:extLst>
+              <a:ext uri="{FF2B5EF4-FFF2-40B4-BE49-F238E27FC236}">
+                <a16:creationId xmlns:a16="http://schemas.microsoft.com/office/drawing/2014/main" id="{33183853-E901-FD42-9A05-74466ED8A284}"/>
+              </a:ext>
+            </a:extLst>
+          </p:cNvPr>
+          <p:cNvPicPr>
+            <a:picLocks noChangeAspect="1"/>
+          </p:cNvPicPr>
+          <p:nvPr/>
+        </p:nvPicPr>
+        <p:blipFill>
+          <a:blip r:embed="rId2"/>
+          <a:stretch>
+            <a:fillRect/>
+          </a:stretch>
+        </p:blipFill>
+        <p:spPr>
+          <a:xfrm>
+            <a:off x="158750" y="3114675"/>
+            <a:ext cx="4838113" cy="3416300"/>
+          </a:xfrm>
+          <a:prstGeom prst="rect">
+            <a:avLst/>
+          </a:prstGeom>
+        </p:spPr>
+      </p:pic>
+      <p:pic>
+        <p:nvPicPr>
+          <p:cNvPr id="5" name="Picture 4">
+            <a:extLst>
+              <a:ext uri="{FF2B5EF4-FFF2-40B4-BE49-F238E27FC236}">
+                <a16:creationId xmlns:a16="http://schemas.microsoft.com/office/drawing/2014/main" id="{A8BEB285-CD78-2F44-BCDE-2C910B45A95A}"/>
+              </a:ext>
+            </a:extLst>
+          </p:cNvPr>
+          <p:cNvPicPr>
+            <a:picLocks noChangeAspect="1"/>
+          </p:cNvPicPr>
+          <p:nvPr/>
+        </p:nvPicPr>
+        <p:blipFill>
+          <a:blip r:embed="rId3"/>
+          <a:stretch>
+            <a:fillRect/>
+          </a:stretch>
+        </p:blipFill>
+        <p:spPr>
+          <a:xfrm>
+            <a:off x="3054350" y="2667000"/>
+            <a:ext cx="5937250" cy="2857500"/>
+          </a:xfrm>
+          <a:prstGeom prst="rect">
+            <a:avLst/>
+          </a:prstGeom>
+        </p:spPr>
+      </p:pic>
+    </p:spTree>
+    <p:extLst>
+      <p:ext uri="{BB962C8B-B14F-4D97-AF65-F5344CB8AC3E}">
+        <p14:creationId xmlns:p14="http://schemas.microsoft.com/office/powerpoint/2010/main" val="2208126396"/>
       </p:ext>
     </p:extLst>
   </p:cSld>
